--- a/lectures/06.command/command.pptx
+++ b/lectures/06.command/command.pptx
@@ -245,7 +245,7 @@
           <a:p>
             <a:fld id="{2F3DCB6D-0B48-4A3D-B663-06C3F903A9D3}" type="datetimeFigureOut">
               <a:rPr lang="ru-RU" smtClean="0"/>
-              <a:t>04.03.2019</a:t>
+              <a:t>03.10.2019</a:t>
             </a:fld>
             <a:endParaRPr lang="ru-RU"/>
           </a:p>
@@ -1010,7 +1010,7 @@
           <a:p>
             <a:fld id="{2590F9C9-AB92-4E86-B698-DEC9BF4350FF}" type="datetimeFigureOut">
               <a:rPr lang="ru-RU" smtClean="0"/>
-              <a:t>04.03.2019</a:t>
+              <a:t>03.10.2019</a:t>
             </a:fld>
             <a:endParaRPr lang="ru-RU"/>
           </a:p>
@@ -1234,7 +1234,7 @@
           <a:p>
             <a:fld id="{2590F9C9-AB92-4E86-B698-DEC9BF4350FF}" type="datetimeFigureOut">
               <a:rPr lang="ru-RU" smtClean="0"/>
-              <a:t>04.03.2019</a:t>
+              <a:t>03.10.2019</a:t>
             </a:fld>
             <a:endParaRPr lang="ru-RU"/>
           </a:p>
@@ -1506,7 +1506,7 @@
           <a:p>
             <a:fld id="{2590F9C9-AB92-4E86-B698-DEC9BF4350FF}" type="datetimeFigureOut">
               <a:rPr lang="ru-RU" smtClean="0"/>
-              <a:t>04.03.2019</a:t>
+              <a:t>03.10.2019</a:t>
             </a:fld>
             <a:endParaRPr lang="ru-RU"/>
           </a:p>
@@ -1681,7 +1681,7 @@
           <a:p>
             <a:fld id="{2590F9C9-AB92-4E86-B698-DEC9BF4350FF}" type="datetimeFigureOut">
               <a:rPr lang="ru-RU" smtClean="0"/>
-              <a:t>04.03.2019</a:t>
+              <a:t>03.10.2019</a:t>
             </a:fld>
             <a:endParaRPr lang="ru-RU"/>
           </a:p>
@@ -2042,7 +2042,7 @@
           <a:p>
             <a:fld id="{2590F9C9-AB92-4E86-B698-DEC9BF4350FF}" type="datetimeFigureOut">
               <a:rPr lang="ru-RU" smtClean="0"/>
-              <a:t>04.03.2019</a:t>
+              <a:t>03.10.2019</a:t>
             </a:fld>
             <a:endParaRPr lang="ru-RU"/>
           </a:p>
@@ -2334,7 +2334,7 @@
           <a:p>
             <a:fld id="{2590F9C9-AB92-4E86-B698-DEC9BF4350FF}" type="datetimeFigureOut">
               <a:rPr lang="ru-RU" smtClean="0"/>
-              <a:t>04.03.2019</a:t>
+              <a:t>03.10.2019</a:t>
             </a:fld>
             <a:endParaRPr lang="ru-RU"/>
           </a:p>
@@ -2763,7 +2763,7 @@
           <a:p>
             <a:fld id="{2590F9C9-AB92-4E86-B698-DEC9BF4350FF}" type="datetimeFigureOut">
               <a:rPr lang="ru-RU" smtClean="0"/>
-              <a:t>04.03.2019</a:t>
+              <a:t>03.10.2019</a:t>
             </a:fld>
             <a:endParaRPr lang="ru-RU"/>
           </a:p>
@@ -2876,7 +2876,7 @@
           <a:p>
             <a:fld id="{2590F9C9-AB92-4E86-B698-DEC9BF4350FF}" type="datetimeFigureOut">
               <a:rPr lang="ru-RU" smtClean="0"/>
-              <a:t>04.03.2019</a:t>
+              <a:t>03.10.2019</a:t>
             </a:fld>
             <a:endParaRPr lang="ru-RU"/>
           </a:p>
@@ -2973,7 +2973,7 @@
           <a:p>
             <a:fld id="{2590F9C9-AB92-4E86-B698-DEC9BF4350FF}" type="datetimeFigureOut">
               <a:rPr lang="ru-RU" smtClean="0"/>
-              <a:t>04.03.2019</a:t>
+              <a:t>03.10.2019</a:t>
             </a:fld>
             <a:endParaRPr lang="ru-RU"/>
           </a:p>
@@ -3258,7 +3258,7 @@
           <a:p>
             <a:fld id="{2590F9C9-AB92-4E86-B698-DEC9BF4350FF}" type="datetimeFigureOut">
               <a:rPr lang="ru-RU" smtClean="0"/>
-              <a:t>04.03.2019</a:t>
+              <a:t>03.10.2019</a:t>
             </a:fld>
             <a:endParaRPr lang="ru-RU"/>
           </a:p>
@@ -3620,7 +3620,7 @@
           <a:p>
             <a:fld id="{2590F9C9-AB92-4E86-B698-DEC9BF4350FF}" type="datetimeFigureOut">
               <a:rPr lang="ru-RU" smtClean="0"/>
-              <a:t>04.03.2019</a:t>
+              <a:t>03.10.2019</a:t>
             </a:fld>
             <a:endParaRPr lang="ru-RU"/>
           </a:p>
@@ -4045,7 +4045,7 @@
           <a:p>
             <a:fld id="{2590F9C9-AB92-4E86-B698-DEC9BF4350FF}" type="datetimeFigureOut">
               <a:rPr lang="ru-RU" smtClean="0"/>
-              <a:t>04.03.2019</a:t>
+              <a:t>03.10.2019</a:t>
             </a:fld>
             <a:endParaRPr lang="ru-RU"/>
           </a:p>
@@ -36310,7 +36310,7 @@
     <p:controls>
       <mc:AlternateContent xmlns:mc="http://schemas.openxmlformats.org/markup-compatibility/2006">
         <mc:Choice xmlns:v="urn:schemas-microsoft-com:vml" Requires="v">
-          <p:control spid="1053" name="ShockwaveFlash1" r:id="rId2" imgW="1828800" imgH="1828800"/>
+          <p:control spid="1054" name="ShockwaveFlash1" r:id="rId2" imgW="1828800" imgH="1828800"/>
         </mc:Choice>
         <mc:Fallback>
           <p:control name="ShockwaveFlash1" r:id="rId2" imgW="1828800" imgH="1828800">
